--- a/ppt 16-9/1437.揭开七印.pptx
+++ b/ppt 16-9/1437.揭开七印.pptx
@@ -129,7 +129,7 @@
           <p:cNvPr id="2" name="标题 1">
             <a:extLst>
               <a:ext uri="{FF2B5EF4-FFF2-40B4-BE49-F238E27FC236}">
-                <a16:creationId xmlns:a16="http://schemas.microsoft.com/office/drawing/2014/main" id="{38A894CD-8D2E-CCAE-30ED-C1023BB52880}"/>
+                <a16:creationId xmlns:a16="http://schemas.microsoft.com/office/drawing/2014/main" id="{26CA76EF-3448-C031-6E24-B6153D647F87}"/>
               </a:ext>
             </a:extLst>
           </p:cNvPr>
@@ -166,7 +166,7 @@
           <p:cNvPr id="3" name="副标题 2">
             <a:extLst>
               <a:ext uri="{FF2B5EF4-FFF2-40B4-BE49-F238E27FC236}">
-                <a16:creationId xmlns:a16="http://schemas.microsoft.com/office/drawing/2014/main" id="{9FAE27C7-051C-5E5F-B8C6-FC87F6F005CD}"/>
+                <a16:creationId xmlns:a16="http://schemas.microsoft.com/office/drawing/2014/main" id="{293BDE72-8BFA-9B26-D894-E66B764FC821}"/>
               </a:ext>
             </a:extLst>
           </p:cNvPr>
@@ -236,7 +236,7 @@
           <p:cNvPr id="4" name="日期占位符 3">
             <a:extLst>
               <a:ext uri="{FF2B5EF4-FFF2-40B4-BE49-F238E27FC236}">
-                <a16:creationId xmlns:a16="http://schemas.microsoft.com/office/drawing/2014/main" id="{8B3E3FF6-7E7A-D607-933D-49AEE5E9AF6D}"/>
+                <a16:creationId xmlns:a16="http://schemas.microsoft.com/office/drawing/2014/main" id="{63DD4C59-74D8-36AD-D38C-8A721DCDACE1}"/>
               </a:ext>
             </a:extLst>
           </p:cNvPr>
@@ -252,7 +252,7 @@
           <a:bodyPr/>
           <a:lstStyle/>
           <a:p>
-            <a:fld id="{F669FCA0-825B-42DC-8FC8-EBDC8F4889A8}" type="datetimeFigureOut">
+            <a:fld id="{68456436-DE11-458C-A359-815608F0B392}" type="datetimeFigureOut">
               <a:rPr lang="zh-CN" altLang="en-US" smtClean="0"/>
               <a:t>2024/3/10</a:t>
             </a:fld>
@@ -265,7 +265,7 @@
           <p:cNvPr id="5" name="页脚占位符 4">
             <a:extLst>
               <a:ext uri="{FF2B5EF4-FFF2-40B4-BE49-F238E27FC236}">
-                <a16:creationId xmlns:a16="http://schemas.microsoft.com/office/drawing/2014/main" id="{1C166CAA-0C69-E95A-2D14-392625A66888}"/>
+                <a16:creationId xmlns:a16="http://schemas.microsoft.com/office/drawing/2014/main" id="{AB88CB91-C537-5207-B932-44185001DD47}"/>
               </a:ext>
             </a:extLst>
           </p:cNvPr>
@@ -290,7 +290,7 @@
           <p:cNvPr id="6" name="灯片编号占位符 5">
             <a:extLst>
               <a:ext uri="{FF2B5EF4-FFF2-40B4-BE49-F238E27FC236}">
-                <a16:creationId xmlns:a16="http://schemas.microsoft.com/office/drawing/2014/main" id="{9E060BE2-5ADE-486C-F7A3-B61B4D60209B}"/>
+                <a16:creationId xmlns:a16="http://schemas.microsoft.com/office/drawing/2014/main" id="{E371426E-D449-6A94-A014-BC667FD67451}"/>
               </a:ext>
             </a:extLst>
           </p:cNvPr>
@@ -306,7 +306,7 @@
           <a:bodyPr/>
           <a:lstStyle/>
           <a:p>
-            <a:fld id="{50E03B92-2433-4DC6-B2E9-9F874F8EEC80}" type="slidenum">
+            <a:fld id="{2C97E04E-E801-4C3D-B177-ED65FE545453}" type="slidenum">
               <a:rPr lang="zh-CN" altLang="en-US" smtClean="0"/>
               <a:t>‹#›</a:t>
             </a:fld>
@@ -317,7 +317,7 @@
     </p:spTree>
     <p:extLst>
       <p:ext uri="{BB962C8B-B14F-4D97-AF65-F5344CB8AC3E}">
-        <p14:creationId xmlns:p14="http://schemas.microsoft.com/office/powerpoint/2010/main" val="3962661663"/>
+        <p14:creationId xmlns:p14="http://schemas.microsoft.com/office/powerpoint/2010/main" val="2889466915"/>
       </p:ext>
     </p:extLst>
   </p:cSld>
@@ -349,7 +349,7 @@
           <p:cNvPr id="2" name="标题 1">
             <a:extLst>
               <a:ext uri="{FF2B5EF4-FFF2-40B4-BE49-F238E27FC236}">
-                <a16:creationId xmlns:a16="http://schemas.microsoft.com/office/drawing/2014/main" id="{7D8FAE77-A469-78DE-FFD3-61DC33EF8BBD}"/>
+                <a16:creationId xmlns:a16="http://schemas.microsoft.com/office/drawing/2014/main" id="{91482D37-DA18-BD4D-A8B5-8EB162562ECF}"/>
               </a:ext>
             </a:extLst>
           </p:cNvPr>
@@ -377,7 +377,7 @@
           <p:cNvPr id="3" name="竖排文字占位符 2">
             <a:extLst>
               <a:ext uri="{FF2B5EF4-FFF2-40B4-BE49-F238E27FC236}">
-                <a16:creationId xmlns:a16="http://schemas.microsoft.com/office/drawing/2014/main" id="{4FAD72BF-8757-6417-56A1-4BE8432234CA}"/>
+                <a16:creationId xmlns:a16="http://schemas.microsoft.com/office/drawing/2014/main" id="{5305ED61-CE55-EC63-D358-E4182559B20A}"/>
               </a:ext>
             </a:extLst>
           </p:cNvPr>
@@ -434,7 +434,7 @@
           <p:cNvPr id="4" name="日期占位符 3">
             <a:extLst>
               <a:ext uri="{FF2B5EF4-FFF2-40B4-BE49-F238E27FC236}">
-                <a16:creationId xmlns:a16="http://schemas.microsoft.com/office/drawing/2014/main" id="{4D467BF5-D685-1BAA-5451-11151FFBDBFF}"/>
+                <a16:creationId xmlns:a16="http://schemas.microsoft.com/office/drawing/2014/main" id="{52D7B517-F628-982F-6F32-57F7EBC78786}"/>
               </a:ext>
             </a:extLst>
           </p:cNvPr>
@@ -450,7 +450,7 @@
           <a:bodyPr/>
           <a:lstStyle/>
           <a:p>
-            <a:fld id="{F669FCA0-825B-42DC-8FC8-EBDC8F4889A8}" type="datetimeFigureOut">
+            <a:fld id="{68456436-DE11-458C-A359-815608F0B392}" type="datetimeFigureOut">
               <a:rPr lang="zh-CN" altLang="en-US" smtClean="0"/>
               <a:t>2024/3/10</a:t>
             </a:fld>
@@ -463,7 +463,7 @@
           <p:cNvPr id="5" name="页脚占位符 4">
             <a:extLst>
               <a:ext uri="{FF2B5EF4-FFF2-40B4-BE49-F238E27FC236}">
-                <a16:creationId xmlns:a16="http://schemas.microsoft.com/office/drawing/2014/main" id="{BC363974-653E-35E2-FCDE-0BBA75771FAE}"/>
+                <a16:creationId xmlns:a16="http://schemas.microsoft.com/office/drawing/2014/main" id="{0CB13A6B-5321-38F2-8F0A-B88401931141}"/>
               </a:ext>
             </a:extLst>
           </p:cNvPr>
@@ -488,7 +488,7 @@
           <p:cNvPr id="6" name="灯片编号占位符 5">
             <a:extLst>
               <a:ext uri="{FF2B5EF4-FFF2-40B4-BE49-F238E27FC236}">
-                <a16:creationId xmlns:a16="http://schemas.microsoft.com/office/drawing/2014/main" id="{5DD6BAF1-BEAC-C347-EAAC-ED11F468ABEF}"/>
+                <a16:creationId xmlns:a16="http://schemas.microsoft.com/office/drawing/2014/main" id="{8D9ABE30-A7BF-43E6-D841-1483BDE86C54}"/>
               </a:ext>
             </a:extLst>
           </p:cNvPr>
@@ -504,7 +504,7 @@
           <a:bodyPr/>
           <a:lstStyle/>
           <a:p>
-            <a:fld id="{50E03B92-2433-4DC6-B2E9-9F874F8EEC80}" type="slidenum">
+            <a:fld id="{2C97E04E-E801-4C3D-B177-ED65FE545453}" type="slidenum">
               <a:rPr lang="zh-CN" altLang="en-US" smtClean="0"/>
               <a:t>‹#›</a:t>
             </a:fld>
@@ -515,7 +515,7 @@
     </p:spTree>
     <p:extLst>
       <p:ext uri="{BB962C8B-B14F-4D97-AF65-F5344CB8AC3E}">
-        <p14:creationId xmlns:p14="http://schemas.microsoft.com/office/powerpoint/2010/main" val="123711729"/>
+        <p14:creationId xmlns:p14="http://schemas.microsoft.com/office/powerpoint/2010/main" val="181475663"/>
       </p:ext>
     </p:extLst>
   </p:cSld>
@@ -547,7 +547,7 @@
           <p:cNvPr id="2" name="竖排标题 1">
             <a:extLst>
               <a:ext uri="{FF2B5EF4-FFF2-40B4-BE49-F238E27FC236}">
-                <a16:creationId xmlns:a16="http://schemas.microsoft.com/office/drawing/2014/main" id="{4FE3015D-2FFC-18B5-7E61-6072FAEC4339}"/>
+                <a16:creationId xmlns:a16="http://schemas.microsoft.com/office/drawing/2014/main" id="{C9DE5DA8-B46E-F1BE-6E94-13532EB4BAE1}"/>
               </a:ext>
             </a:extLst>
           </p:cNvPr>
@@ -580,7 +580,7 @@
           <p:cNvPr id="3" name="竖排文字占位符 2">
             <a:extLst>
               <a:ext uri="{FF2B5EF4-FFF2-40B4-BE49-F238E27FC236}">
-                <a16:creationId xmlns:a16="http://schemas.microsoft.com/office/drawing/2014/main" id="{DDDAE5C1-E5E2-8A26-CA91-207DD60092AD}"/>
+                <a16:creationId xmlns:a16="http://schemas.microsoft.com/office/drawing/2014/main" id="{F4E6D380-83DC-EAFC-5AC5-FB16E4230350}"/>
               </a:ext>
             </a:extLst>
           </p:cNvPr>
@@ -642,7 +642,7 @@
           <p:cNvPr id="4" name="日期占位符 3">
             <a:extLst>
               <a:ext uri="{FF2B5EF4-FFF2-40B4-BE49-F238E27FC236}">
-                <a16:creationId xmlns:a16="http://schemas.microsoft.com/office/drawing/2014/main" id="{E3974450-DB4E-AF0F-CE15-A01D392086D6}"/>
+                <a16:creationId xmlns:a16="http://schemas.microsoft.com/office/drawing/2014/main" id="{BDB00DBD-405B-73CB-9FAC-F9E40F80CAF0}"/>
               </a:ext>
             </a:extLst>
           </p:cNvPr>
@@ -658,7 +658,7 @@
           <a:bodyPr/>
           <a:lstStyle/>
           <a:p>
-            <a:fld id="{F669FCA0-825B-42DC-8FC8-EBDC8F4889A8}" type="datetimeFigureOut">
+            <a:fld id="{68456436-DE11-458C-A359-815608F0B392}" type="datetimeFigureOut">
               <a:rPr lang="zh-CN" altLang="en-US" smtClean="0"/>
               <a:t>2024/3/10</a:t>
             </a:fld>
@@ -671,7 +671,7 @@
           <p:cNvPr id="5" name="页脚占位符 4">
             <a:extLst>
               <a:ext uri="{FF2B5EF4-FFF2-40B4-BE49-F238E27FC236}">
-                <a16:creationId xmlns:a16="http://schemas.microsoft.com/office/drawing/2014/main" id="{53D91AD8-D4B5-A7F4-8179-08A8848D59E9}"/>
+                <a16:creationId xmlns:a16="http://schemas.microsoft.com/office/drawing/2014/main" id="{570F93E8-F089-0AC4-5667-8CCD4157AE92}"/>
               </a:ext>
             </a:extLst>
           </p:cNvPr>
@@ -696,7 +696,7 @@
           <p:cNvPr id="6" name="灯片编号占位符 5">
             <a:extLst>
               <a:ext uri="{FF2B5EF4-FFF2-40B4-BE49-F238E27FC236}">
-                <a16:creationId xmlns:a16="http://schemas.microsoft.com/office/drawing/2014/main" id="{3DEDCC63-9466-72F8-D2FC-2EF389E43348}"/>
+                <a16:creationId xmlns:a16="http://schemas.microsoft.com/office/drawing/2014/main" id="{91F8B446-DC6C-107C-7A8D-E23442F1A702}"/>
               </a:ext>
             </a:extLst>
           </p:cNvPr>
@@ -712,7 +712,7 @@
           <a:bodyPr/>
           <a:lstStyle/>
           <a:p>
-            <a:fld id="{50E03B92-2433-4DC6-B2E9-9F874F8EEC80}" type="slidenum">
+            <a:fld id="{2C97E04E-E801-4C3D-B177-ED65FE545453}" type="slidenum">
               <a:rPr lang="zh-CN" altLang="en-US" smtClean="0"/>
               <a:t>‹#›</a:t>
             </a:fld>
@@ -723,7 +723,7 @@
     </p:spTree>
     <p:extLst>
       <p:ext uri="{BB962C8B-B14F-4D97-AF65-F5344CB8AC3E}">
-        <p14:creationId xmlns:p14="http://schemas.microsoft.com/office/powerpoint/2010/main" val="1237072654"/>
+        <p14:creationId xmlns:p14="http://schemas.microsoft.com/office/powerpoint/2010/main" val="2799174795"/>
       </p:ext>
     </p:extLst>
   </p:cSld>
@@ -755,7 +755,7 @@
           <p:cNvPr id="2" name="标题 1">
             <a:extLst>
               <a:ext uri="{FF2B5EF4-FFF2-40B4-BE49-F238E27FC236}">
-                <a16:creationId xmlns:a16="http://schemas.microsoft.com/office/drawing/2014/main" id="{E8453871-97EF-7272-8138-EBF6C329D2B4}"/>
+                <a16:creationId xmlns:a16="http://schemas.microsoft.com/office/drawing/2014/main" id="{3E910CC7-29EE-9F8E-DEE0-9FB8358ED6EC}"/>
               </a:ext>
             </a:extLst>
           </p:cNvPr>
@@ -783,7 +783,7 @@
           <p:cNvPr id="3" name="内容占位符 2">
             <a:extLst>
               <a:ext uri="{FF2B5EF4-FFF2-40B4-BE49-F238E27FC236}">
-                <a16:creationId xmlns:a16="http://schemas.microsoft.com/office/drawing/2014/main" id="{B80EAAEB-06B9-3D6D-76E0-3FA0D7C75476}"/>
+                <a16:creationId xmlns:a16="http://schemas.microsoft.com/office/drawing/2014/main" id="{6E5E48F8-EEC1-FBE0-DBDF-37DA7DB0AF10}"/>
               </a:ext>
             </a:extLst>
           </p:cNvPr>
@@ -840,7 +840,7 @@
           <p:cNvPr id="4" name="日期占位符 3">
             <a:extLst>
               <a:ext uri="{FF2B5EF4-FFF2-40B4-BE49-F238E27FC236}">
-                <a16:creationId xmlns:a16="http://schemas.microsoft.com/office/drawing/2014/main" id="{E8A37321-1805-7404-6069-8C2F2A3F6BE2}"/>
+                <a16:creationId xmlns:a16="http://schemas.microsoft.com/office/drawing/2014/main" id="{A9683594-B7B8-CFE0-F3FA-28CA775A01F7}"/>
               </a:ext>
             </a:extLst>
           </p:cNvPr>
@@ -856,7 +856,7 @@
           <a:bodyPr/>
           <a:lstStyle/>
           <a:p>
-            <a:fld id="{F669FCA0-825B-42DC-8FC8-EBDC8F4889A8}" type="datetimeFigureOut">
+            <a:fld id="{68456436-DE11-458C-A359-815608F0B392}" type="datetimeFigureOut">
               <a:rPr lang="zh-CN" altLang="en-US" smtClean="0"/>
               <a:t>2024/3/10</a:t>
             </a:fld>
@@ -869,7 +869,7 @@
           <p:cNvPr id="5" name="页脚占位符 4">
             <a:extLst>
               <a:ext uri="{FF2B5EF4-FFF2-40B4-BE49-F238E27FC236}">
-                <a16:creationId xmlns:a16="http://schemas.microsoft.com/office/drawing/2014/main" id="{623D77C9-7F92-ED21-5B2E-208EAE5551EB}"/>
+                <a16:creationId xmlns:a16="http://schemas.microsoft.com/office/drawing/2014/main" id="{E6AC98C9-05DD-7CE0-E5DD-24F9E3BC22E3}"/>
               </a:ext>
             </a:extLst>
           </p:cNvPr>
@@ -894,7 +894,7 @@
           <p:cNvPr id="6" name="灯片编号占位符 5">
             <a:extLst>
               <a:ext uri="{FF2B5EF4-FFF2-40B4-BE49-F238E27FC236}">
-                <a16:creationId xmlns:a16="http://schemas.microsoft.com/office/drawing/2014/main" id="{B0B7AB81-38CC-1342-9C2E-053FD40D37B2}"/>
+                <a16:creationId xmlns:a16="http://schemas.microsoft.com/office/drawing/2014/main" id="{65C26148-5762-B027-B8AA-7CB175420936}"/>
               </a:ext>
             </a:extLst>
           </p:cNvPr>
@@ -910,7 +910,7 @@
           <a:bodyPr/>
           <a:lstStyle/>
           <a:p>
-            <a:fld id="{50E03B92-2433-4DC6-B2E9-9F874F8EEC80}" type="slidenum">
+            <a:fld id="{2C97E04E-E801-4C3D-B177-ED65FE545453}" type="slidenum">
               <a:rPr lang="zh-CN" altLang="en-US" smtClean="0"/>
               <a:t>‹#›</a:t>
             </a:fld>
@@ -921,7 +921,7 @@
     </p:spTree>
     <p:extLst>
       <p:ext uri="{BB962C8B-B14F-4D97-AF65-F5344CB8AC3E}">
-        <p14:creationId xmlns:p14="http://schemas.microsoft.com/office/powerpoint/2010/main" val="2456331068"/>
+        <p14:creationId xmlns:p14="http://schemas.microsoft.com/office/powerpoint/2010/main" val="810999060"/>
       </p:ext>
     </p:extLst>
   </p:cSld>
@@ -953,7 +953,7 @@
           <p:cNvPr id="2" name="标题 1">
             <a:extLst>
               <a:ext uri="{FF2B5EF4-FFF2-40B4-BE49-F238E27FC236}">
-                <a16:creationId xmlns:a16="http://schemas.microsoft.com/office/drawing/2014/main" id="{2114A8E1-6011-E526-0BFC-7022FC9BBC02}"/>
+                <a16:creationId xmlns:a16="http://schemas.microsoft.com/office/drawing/2014/main" id="{C05D5DFC-71A7-9180-0331-9717641643F5}"/>
               </a:ext>
             </a:extLst>
           </p:cNvPr>
@@ -990,7 +990,7 @@
           <p:cNvPr id="3" name="文本占位符 2">
             <a:extLst>
               <a:ext uri="{FF2B5EF4-FFF2-40B4-BE49-F238E27FC236}">
-                <a16:creationId xmlns:a16="http://schemas.microsoft.com/office/drawing/2014/main" id="{530EF1DF-97D9-ED61-C4CE-D7805B20D0CC}"/>
+                <a16:creationId xmlns:a16="http://schemas.microsoft.com/office/drawing/2014/main" id="{6B6AACFC-D8D5-3E00-1173-9632FDC82E11}"/>
               </a:ext>
             </a:extLst>
           </p:cNvPr>
@@ -1115,7 +1115,7 @@
           <p:cNvPr id="4" name="日期占位符 3">
             <a:extLst>
               <a:ext uri="{FF2B5EF4-FFF2-40B4-BE49-F238E27FC236}">
-                <a16:creationId xmlns:a16="http://schemas.microsoft.com/office/drawing/2014/main" id="{D02DD84C-F98D-E374-0C57-FED0B5A65E38}"/>
+                <a16:creationId xmlns:a16="http://schemas.microsoft.com/office/drawing/2014/main" id="{DE7B8DDB-AB79-A091-775E-9CFEFAB340BF}"/>
               </a:ext>
             </a:extLst>
           </p:cNvPr>
@@ -1131,7 +1131,7 @@
           <a:bodyPr/>
           <a:lstStyle/>
           <a:p>
-            <a:fld id="{F669FCA0-825B-42DC-8FC8-EBDC8F4889A8}" type="datetimeFigureOut">
+            <a:fld id="{68456436-DE11-458C-A359-815608F0B392}" type="datetimeFigureOut">
               <a:rPr lang="zh-CN" altLang="en-US" smtClean="0"/>
               <a:t>2024/3/10</a:t>
             </a:fld>
@@ -1144,7 +1144,7 @@
           <p:cNvPr id="5" name="页脚占位符 4">
             <a:extLst>
               <a:ext uri="{FF2B5EF4-FFF2-40B4-BE49-F238E27FC236}">
-                <a16:creationId xmlns:a16="http://schemas.microsoft.com/office/drawing/2014/main" id="{3E6778E3-1FDE-1897-254F-98740CE95C32}"/>
+                <a16:creationId xmlns:a16="http://schemas.microsoft.com/office/drawing/2014/main" id="{CA663F60-62FA-47B6-6157-C94F40843A9C}"/>
               </a:ext>
             </a:extLst>
           </p:cNvPr>
@@ -1169,7 +1169,7 @@
           <p:cNvPr id="6" name="灯片编号占位符 5">
             <a:extLst>
               <a:ext uri="{FF2B5EF4-FFF2-40B4-BE49-F238E27FC236}">
-                <a16:creationId xmlns:a16="http://schemas.microsoft.com/office/drawing/2014/main" id="{3EC7D2C0-C858-68F2-FD2D-10BB6A9CDEAA}"/>
+                <a16:creationId xmlns:a16="http://schemas.microsoft.com/office/drawing/2014/main" id="{349BB5FD-1527-EE77-AD71-71F16E58EDFC}"/>
               </a:ext>
             </a:extLst>
           </p:cNvPr>
@@ -1185,7 +1185,7 @@
           <a:bodyPr/>
           <a:lstStyle/>
           <a:p>
-            <a:fld id="{50E03B92-2433-4DC6-B2E9-9F874F8EEC80}" type="slidenum">
+            <a:fld id="{2C97E04E-E801-4C3D-B177-ED65FE545453}" type="slidenum">
               <a:rPr lang="zh-CN" altLang="en-US" smtClean="0"/>
               <a:t>‹#›</a:t>
             </a:fld>
@@ -1196,7 +1196,7 @@
     </p:spTree>
     <p:extLst>
       <p:ext uri="{BB962C8B-B14F-4D97-AF65-F5344CB8AC3E}">
-        <p14:creationId xmlns:p14="http://schemas.microsoft.com/office/powerpoint/2010/main" val="1466852447"/>
+        <p14:creationId xmlns:p14="http://schemas.microsoft.com/office/powerpoint/2010/main" val="3314574556"/>
       </p:ext>
     </p:extLst>
   </p:cSld>
@@ -1228,7 +1228,7 @@
           <p:cNvPr id="2" name="标题 1">
             <a:extLst>
               <a:ext uri="{FF2B5EF4-FFF2-40B4-BE49-F238E27FC236}">
-                <a16:creationId xmlns:a16="http://schemas.microsoft.com/office/drawing/2014/main" id="{9EAC4252-6BFC-9E0C-9930-B72A3C796C9C}"/>
+                <a16:creationId xmlns:a16="http://schemas.microsoft.com/office/drawing/2014/main" id="{BA344F0E-55D7-4C5F-BA53-60CBF38D468D}"/>
               </a:ext>
             </a:extLst>
           </p:cNvPr>
@@ -1256,7 +1256,7 @@
           <p:cNvPr id="3" name="内容占位符 2">
             <a:extLst>
               <a:ext uri="{FF2B5EF4-FFF2-40B4-BE49-F238E27FC236}">
-                <a16:creationId xmlns:a16="http://schemas.microsoft.com/office/drawing/2014/main" id="{2F337939-FA01-61DB-B3D8-9A3DC14F90CD}"/>
+                <a16:creationId xmlns:a16="http://schemas.microsoft.com/office/drawing/2014/main" id="{B6B11CFB-CB37-15A8-1E06-CF2E867E402B}"/>
               </a:ext>
             </a:extLst>
           </p:cNvPr>
@@ -1318,7 +1318,7 @@
           <p:cNvPr id="4" name="内容占位符 3">
             <a:extLst>
               <a:ext uri="{FF2B5EF4-FFF2-40B4-BE49-F238E27FC236}">
-                <a16:creationId xmlns:a16="http://schemas.microsoft.com/office/drawing/2014/main" id="{70000880-CD3F-7251-05F0-0E5FC734501F}"/>
+                <a16:creationId xmlns:a16="http://schemas.microsoft.com/office/drawing/2014/main" id="{98A686BB-7CBB-AA15-B635-19D68000077A}"/>
               </a:ext>
             </a:extLst>
           </p:cNvPr>
@@ -1380,7 +1380,7 @@
           <p:cNvPr id="5" name="日期占位符 4">
             <a:extLst>
               <a:ext uri="{FF2B5EF4-FFF2-40B4-BE49-F238E27FC236}">
-                <a16:creationId xmlns:a16="http://schemas.microsoft.com/office/drawing/2014/main" id="{711A24FD-526E-A2BC-062F-B1A936E8705C}"/>
+                <a16:creationId xmlns:a16="http://schemas.microsoft.com/office/drawing/2014/main" id="{8BAD26AB-B541-D07C-FF2B-849518C8131B}"/>
               </a:ext>
             </a:extLst>
           </p:cNvPr>
@@ -1396,7 +1396,7 @@
           <a:bodyPr/>
           <a:lstStyle/>
           <a:p>
-            <a:fld id="{F669FCA0-825B-42DC-8FC8-EBDC8F4889A8}" type="datetimeFigureOut">
+            <a:fld id="{68456436-DE11-458C-A359-815608F0B392}" type="datetimeFigureOut">
               <a:rPr lang="zh-CN" altLang="en-US" smtClean="0"/>
               <a:t>2024/3/10</a:t>
             </a:fld>
@@ -1409,7 +1409,7 @@
           <p:cNvPr id="6" name="页脚占位符 5">
             <a:extLst>
               <a:ext uri="{FF2B5EF4-FFF2-40B4-BE49-F238E27FC236}">
-                <a16:creationId xmlns:a16="http://schemas.microsoft.com/office/drawing/2014/main" id="{949CA766-319A-63B5-222D-03E44E4DB161}"/>
+                <a16:creationId xmlns:a16="http://schemas.microsoft.com/office/drawing/2014/main" id="{A89F6523-A166-78FF-E7FD-99EB4DC219BB}"/>
               </a:ext>
             </a:extLst>
           </p:cNvPr>
@@ -1434,7 +1434,7 @@
           <p:cNvPr id="7" name="灯片编号占位符 6">
             <a:extLst>
               <a:ext uri="{FF2B5EF4-FFF2-40B4-BE49-F238E27FC236}">
-                <a16:creationId xmlns:a16="http://schemas.microsoft.com/office/drawing/2014/main" id="{BFC6C909-36D0-AAD3-9E34-4EB218F6B78C}"/>
+                <a16:creationId xmlns:a16="http://schemas.microsoft.com/office/drawing/2014/main" id="{A455CB63-520F-8AF4-63BF-4B373DA6798D}"/>
               </a:ext>
             </a:extLst>
           </p:cNvPr>
@@ -1450,7 +1450,7 @@
           <a:bodyPr/>
           <a:lstStyle/>
           <a:p>
-            <a:fld id="{50E03B92-2433-4DC6-B2E9-9F874F8EEC80}" type="slidenum">
+            <a:fld id="{2C97E04E-E801-4C3D-B177-ED65FE545453}" type="slidenum">
               <a:rPr lang="zh-CN" altLang="en-US" smtClean="0"/>
               <a:t>‹#›</a:t>
             </a:fld>
@@ -1461,7 +1461,7 @@
     </p:spTree>
     <p:extLst>
       <p:ext uri="{BB962C8B-B14F-4D97-AF65-F5344CB8AC3E}">
-        <p14:creationId xmlns:p14="http://schemas.microsoft.com/office/powerpoint/2010/main" val="1983341537"/>
+        <p14:creationId xmlns:p14="http://schemas.microsoft.com/office/powerpoint/2010/main" val="2032503584"/>
       </p:ext>
     </p:extLst>
   </p:cSld>
@@ -1493,7 +1493,7 @@
           <p:cNvPr id="2" name="标题 1">
             <a:extLst>
               <a:ext uri="{FF2B5EF4-FFF2-40B4-BE49-F238E27FC236}">
-                <a16:creationId xmlns:a16="http://schemas.microsoft.com/office/drawing/2014/main" id="{1517AE22-F677-1A87-99F1-A53B05C1B56C}"/>
+                <a16:creationId xmlns:a16="http://schemas.microsoft.com/office/drawing/2014/main" id="{A0F84AA2-3A6C-5E00-F454-81663C8712E1}"/>
               </a:ext>
             </a:extLst>
           </p:cNvPr>
@@ -1526,7 +1526,7 @@
           <p:cNvPr id="3" name="文本占位符 2">
             <a:extLst>
               <a:ext uri="{FF2B5EF4-FFF2-40B4-BE49-F238E27FC236}">
-                <a16:creationId xmlns:a16="http://schemas.microsoft.com/office/drawing/2014/main" id="{018C91F6-4A5C-FFB8-C54D-D994BE39DA5C}"/>
+                <a16:creationId xmlns:a16="http://schemas.microsoft.com/office/drawing/2014/main" id="{E68F4850-97D9-8F7E-E66B-14822DB3BC3F}"/>
               </a:ext>
             </a:extLst>
           </p:cNvPr>
@@ -1597,7 +1597,7 @@
           <p:cNvPr id="4" name="内容占位符 3">
             <a:extLst>
               <a:ext uri="{FF2B5EF4-FFF2-40B4-BE49-F238E27FC236}">
-                <a16:creationId xmlns:a16="http://schemas.microsoft.com/office/drawing/2014/main" id="{2D75F88B-276F-73B4-DE19-C19344EDC387}"/>
+                <a16:creationId xmlns:a16="http://schemas.microsoft.com/office/drawing/2014/main" id="{D19D2D59-0145-3EB7-DB49-41B9EEDB3DCA}"/>
               </a:ext>
             </a:extLst>
           </p:cNvPr>
@@ -1659,7 +1659,7 @@
           <p:cNvPr id="5" name="文本占位符 4">
             <a:extLst>
               <a:ext uri="{FF2B5EF4-FFF2-40B4-BE49-F238E27FC236}">
-                <a16:creationId xmlns:a16="http://schemas.microsoft.com/office/drawing/2014/main" id="{42DFCA8A-2D0F-599F-A311-61C23FC59B89}"/>
+                <a16:creationId xmlns:a16="http://schemas.microsoft.com/office/drawing/2014/main" id="{AC84007B-AC13-5CD8-D864-DBBE914F9066}"/>
               </a:ext>
             </a:extLst>
           </p:cNvPr>
@@ -1730,7 +1730,7 @@
           <p:cNvPr id="6" name="内容占位符 5">
             <a:extLst>
               <a:ext uri="{FF2B5EF4-FFF2-40B4-BE49-F238E27FC236}">
-                <a16:creationId xmlns:a16="http://schemas.microsoft.com/office/drawing/2014/main" id="{B8F31418-AE2E-E751-87B4-934608C41579}"/>
+                <a16:creationId xmlns:a16="http://schemas.microsoft.com/office/drawing/2014/main" id="{520FCAF7-8007-7EA5-B15E-D9157223FB55}"/>
               </a:ext>
             </a:extLst>
           </p:cNvPr>
@@ -1792,7 +1792,7 @@
           <p:cNvPr id="7" name="日期占位符 6">
             <a:extLst>
               <a:ext uri="{FF2B5EF4-FFF2-40B4-BE49-F238E27FC236}">
-                <a16:creationId xmlns:a16="http://schemas.microsoft.com/office/drawing/2014/main" id="{A9AC3EE5-B74F-26DD-0468-6CB9009016C9}"/>
+                <a16:creationId xmlns:a16="http://schemas.microsoft.com/office/drawing/2014/main" id="{A7B2A636-1468-6569-7CA1-CB92AB4A3220}"/>
               </a:ext>
             </a:extLst>
           </p:cNvPr>
@@ -1808,7 +1808,7 @@
           <a:bodyPr/>
           <a:lstStyle/>
           <a:p>
-            <a:fld id="{F669FCA0-825B-42DC-8FC8-EBDC8F4889A8}" type="datetimeFigureOut">
+            <a:fld id="{68456436-DE11-458C-A359-815608F0B392}" type="datetimeFigureOut">
               <a:rPr lang="zh-CN" altLang="en-US" smtClean="0"/>
               <a:t>2024/3/10</a:t>
             </a:fld>
@@ -1821,7 +1821,7 @@
           <p:cNvPr id="8" name="页脚占位符 7">
             <a:extLst>
               <a:ext uri="{FF2B5EF4-FFF2-40B4-BE49-F238E27FC236}">
-                <a16:creationId xmlns:a16="http://schemas.microsoft.com/office/drawing/2014/main" id="{329A78CE-BA56-A4A0-0AF3-798DE048A440}"/>
+                <a16:creationId xmlns:a16="http://schemas.microsoft.com/office/drawing/2014/main" id="{FC8DAB3A-CDBA-D524-EBD8-28E397D19D4E}"/>
               </a:ext>
             </a:extLst>
           </p:cNvPr>
@@ -1846,7 +1846,7 @@
           <p:cNvPr id="9" name="灯片编号占位符 8">
             <a:extLst>
               <a:ext uri="{FF2B5EF4-FFF2-40B4-BE49-F238E27FC236}">
-                <a16:creationId xmlns:a16="http://schemas.microsoft.com/office/drawing/2014/main" id="{91EA2E3E-5965-3A51-AACB-3361B484E544}"/>
+                <a16:creationId xmlns:a16="http://schemas.microsoft.com/office/drawing/2014/main" id="{15FC991F-06C3-01D8-0D66-CC031F5E0C25}"/>
               </a:ext>
             </a:extLst>
           </p:cNvPr>
@@ -1862,7 +1862,7 @@
           <a:bodyPr/>
           <a:lstStyle/>
           <a:p>
-            <a:fld id="{50E03B92-2433-4DC6-B2E9-9F874F8EEC80}" type="slidenum">
+            <a:fld id="{2C97E04E-E801-4C3D-B177-ED65FE545453}" type="slidenum">
               <a:rPr lang="zh-CN" altLang="en-US" smtClean="0"/>
               <a:t>‹#›</a:t>
             </a:fld>
@@ -1873,7 +1873,7 @@
     </p:spTree>
     <p:extLst>
       <p:ext uri="{BB962C8B-B14F-4D97-AF65-F5344CB8AC3E}">
-        <p14:creationId xmlns:p14="http://schemas.microsoft.com/office/powerpoint/2010/main" val="2650589065"/>
+        <p14:creationId xmlns:p14="http://schemas.microsoft.com/office/powerpoint/2010/main" val="3342278843"/>
       </p:ext>
     </p:extLst>
   </p:cSld>
@@ -1905,7 +1905,7 @@
           <p:cNvPr id="2" name="标题 1">
             <a:extLst>
               <a:ext uri="{FF2B5EF4-FFF2-40B4-BE49-F238E27FC236}">
-                <a16:creationId xmlns:a16="http://schemas.microsoft.com/office/drawing/2014/main" id="{80099F3B-9374-4659-2A21-0E5E853E5293}"/>
+                <a16:creationId xmlns:a16="http://schemas.microsoft.com/office/drawing/2014/main" id="{84FDF5EA-2C9E-16F2-3BF8-CB012109ED04}"/>
               </a:ext>
             </a:extLst>
           </p:cNvPr>
@@ -1933,7 +1933,7 @@
           <p:cNvPr id="3" name="日期占位符 2">
             <a:extLst>
               <a:ext uri="{FF2B5EF4-FFF2-40B4-BE49-F238E27FC236}">
-                <a16:creationId xmlns:a16="http://schemas.microsoft.com/office/drawing/2014/main" id="{40770E93-DEF7-9664-6F60-CA6FD05C4798}"/>
+                <a16:creationId xmlns:a16="http://schemas.microsoft.com/office/drawing/2014/main" id="{FD90F408-8510-8AC0-7254-B9F330668712}"/>
               </a:ext>
             </a:extLst>
           </p:cNvPr>
@@ -1949,7 +1949,7 @@
           <a:bodyPr/>
           <a:lstStyle/>
           <a:p>
-            <a:fld id="{F669FCA0-825B-42DC-8FC8-EBDC8F4889A8}" type="datetimeFigureOut">
+            <a:fld id="{68456436-DE11-458C-A359-815608F0B392}" type="datetimeFigureOut">
               <a:rPr lang="zh-CN" altLang="en-US" smtClean="0"/>
               <a:t>2024/3/10</a:t>
             </a:fld>
@@ -1962,7 +1962,7 @@
           <p:cNvPr id="4" name="页脚占位符 3">
             <a:extLst>
               <a:ext uri="{FF2B5EF4-FFF2-40B4-BE49-F238E27FC236}">
-                <a16:creationId xmlns:a16="http://schemas.microsoft.com/office/drawing/2014/main" id="{BCD8FF8A-5E90-0FE0-2480-6DB81419C69B}"/>
+                <a16:creationId xmlns:a16="http://schemas.microsoft.com/office/drawing/2014/main" id="{8A0080A5-4F39-C2D3-5421-BC3D0C1E533D}"/>
               </a:ext>
             </a:extLst>
           </p:cNvPr>
@@ -1987,7 +1987,7 @@
           <p:cNvPr id="5" name="灯片编号占位符 4">
             <a:extLst>
               <a:ext uri="{FF2B5EF4-FFF2-40B4-BE49-F238E27FC236}">
-                <a16:creationId xmlns:a16="http://schemas.microsoft.com/office/drawing/2014/main" id="{DC3FE7D4-495C-BDD1-9963-523538A11FB4}"/>
+                <a16:creationId xmlns:a16="http://schemas.microsoft.com/office/drawing/2014/main" id="{52295DCA-BA14-2FB5-5124-867EBBF69977}"/>
               </a:ext>
             </a:extLst>
           </p:cNvPr>
@@ -2003,7 +2003,7 @@
           <a:bodyPr/>
           <a:lstStyle/>
           <a:p>
-            <a:fld id="{50E03B92-2433-4DC6-B2E9-9F874F8EEC80}" type="slidenum">
+            <a:fld id="{2C97E04E-E801-4C3D-B177-ED65FE545453}" type="slidenum">
               <a:rPr lang="zh-CN" altLang="en-US" smtClean="0"/>
               <a:t>‹#›</a:t>
             </a:fld>
@@ -2014,7 +2014,7 @@
     </p:spTree>
     <p:extLst>
       <p:ext uri="{BB962C8B-B14F-4D97-AF65-F5344CB8AC3E}">
-        <p14:creationId xmlns:p14="http://schemas.microsoft.com/office/powerpoint/2010/main" val="891909674"/>
+        <p14:creationId xmlns:p14="http://schemas.microsoft.com/office/powerpoint/2010/main" val="3486848346"/>
       </p:ext>
     </p:extLst>
   </p:cSld>
@@ -2046,7 +2046,7 @@
           <p:cNvPr id="2" name="日期占位符 1">
             <a:extLst>
               <a:ext uri="{FF2B5EF4-FFF2-40B4-BE49-F238E27FC236}">
-                <a16:creationId xmlns:a16="http://schemas.microsoft.com/office/drawing/2014/main" id="{29ED6041-4DAD-FD4F-5EEA-8E248D002960}"/>
+                <a16:creationId xmlns:a16="http://schemas.microsoft.com/office/drawing/2014/main" id="{FA285917-87A5-60D8-9DE2-43B992F8A9A2}"/>
               </a:ext>
             </a:extLst>
           </p:cNvPr>
@@ -2062,7 +2062,7 @@
           <a:bodyPr/>
           <a:lstStyle/>
           <a:p>
-            <a:fld id="{F669FCA0-825B-42DC-8FC8-EBDC8F4889A8}" type="datetimeFigureOut">
+            <a:fld id="{68456436-DE11-458C-A359-815608F0B392}" type="datetimeFigureOut">
               <a:rPr lang="zh-CN" altLang="en-US" smtClean="0"/>
               <a:t>2024/3/10</a:t>
             </a:fld>
@@ -2075,7 +2075,7 @@
           <p:cNvPr id="3" name="页脚占位符 2">
             <a:extLst>
               <a:ext uri="{FF2B5EF4-FFF2-40B4-BE49-F238E27FC236}">
-                <a16:creationId xmlns:a16="http://schemas.microsoft.com/office/drawing/2014/main" id="{E01E911D-3870-A778-9F36-8C73EA705EDC}"/>
+                <a16:creationId xmlns:a16="http://schemas.microsoft.com/office/drawing/2014/main" id="{6B609725-DC39-87AE-F10C-0BD6F2358547}"/>
               </a:ext>
             </a:extLst>
           </p:cNvPr>
@@ -2100,7 +2100,7 @@
           <p:cNvPr id="4" name="灯片编号占位符 3">
             <a:extLst>
               <a:ext uri="{FF2B5EF4-FFF2-40B4-BE49-F238E27FC236}">
-                <a16:creationId xmlns:a16="http://schemas.microsoft.com/office/drawing/2014/main" id="{C492BC1D-F913-16F0-6ADA-6C7E23C88746}"/>
+                <a16:creationId xmlns:a16="http://schemas.microsoft.com/office/drawing/2014/main" id="{5FC07095-F444-3A76-116F-815F02CE44E5}"/>
               </a:ext>
             </a:extLst>
           </p:cNvPr>
@@ -2116,7 +2116,7 @@
           <a:bodyPr/>
           <a:lstStyle/>
           <a:p>
-            <a:fld id="{50E03B92-2433-4DC6-B2E9-9F874F8EEC80}" type="slidenum">
+            <a:fld id="{2C97E04E-E801-4C3D-B177-ED65FE545453}" type="slidenum">
               <a:rPr lang="zh-CN" altLang="en-US" smtClean="0"/>
               <a:t>‹#›</a:t>
             </a:fld>
@@ -2127,7 +2127,7 @@
     </p:spTree>
     <p:extLst>
       <p:ext uri="{BB962C8B-B14F-4D97-AF65-F5344CB8AC3E}">
-        <p14:creationId xmlns:p14="http://schemas.microsoft.com/office/powerpoint/2010/main" val="548062091"/>
+        <p14:creationId xmlns:p14="http://schemas.microsoft.com/office/powerpoint/2010/main" val="3770715134"/>
       </p:ext>
     </p:extLst>
   </p:cSld>
@@ -2159,7 +2159,7 @@
           <p:cNvPr id="2" name="标题 1">
             <a:extLst>
               <a:ext uri="{FF2B5EF4-FFF2-40B4-BE49-F238E27FC236}">
-                <a16:creationId xmlns:a16="http://schemas.microsoft.com/office/drawing/2014/main" id="{1889216F-4675-A6ED-3402-8561131531EC}"/>
+                <a16:creationId xmlns:a16="http://schemas.microsoft.com/office/drawing/2014/main" id="{CF260017-7F26-9970-8959-969715F58EEA}"/>
               </a:ext>
             </a:extLst>
           </p:cNvPr>
@@ -2196,7 +2196,7 @@
           <p:cNvPr id="3" name="内容占位符 2">
             <a:extLst>
               <a:ext uri="{FF2B5EF4-FFF2-40B4-BE49-F238E27FC236}">
-                <a16:creationId xmlns:a16="http://schemas.microsoft.com/office/drawing/2014/main" id="{5F633AEC-1016-37E4-18DE-D1779E2CC6DF}"/>
+                <a16:creationId xmlns:a16="http://schemas.microsoft.com/office/drawing/2014/main" id="{D0FEF77E-1EC1-23A4-9C75-8AB27B6DB7AB}"/>
               </a:ext>
             </a:extLst>
           </p:cNvPr>
@@ -2286,7 +2286,7 @@
           <p:cNvPr id="4" name="文本占位符 3">
             <a:extLst>
               <a:ext uri="{FF2B5EF4-FFF2-40B4-BE49-F238E27FC236}">
-                <a16:creationId xmlns:a16="http://schemas.microsoft.com/office/drawing/2014/main" id="{C479DC12-7EAA-E8AE-E16C-BB82B5FBA25C}"/>
+                <a16:creationId xmlns:a16="http://schemas.microsoft.com/office/drawing/2014/main" id="{F32D8801-62EE-955C-3BDA-96B4C5E01E77}"/>
               </a:ext>
             </a:extLst>
           </p:cNvPr>
@@ -2357,7 +2357,7 @@
           <p:cNvPr id="5" name="日期占位符 4">
             <a:extLst>
               <a:ext uri="{FF2B5EF4-FFF2-40B4-BE49-F238E27FC236}">
-                <a16:creationId xmlns:a16="http://schemas.microsoft.com/office/drawing/2014/main" id="{7E7B7EB8-3378-1C2A-8C4C-6B4071659C64}"/>
+                <a16:creationId xmlns:a16="http://schemas.microsoft.com/office/drawing/2014/main" id="{184FD2D6-F5D3-ED99-0B7A-C96CE7D3756A}"/>
               </a:ext>
             </a:extLst>
           </p:cNvPr>
@@ -2373,7 +2373,7 @@
           <a:bodyPr/>
           <a:lstStyle/>
           <a:p>
-            <a:fld id="{F669FCA0-825B-42DC-8FC8-EBDC8F4889A8}" type="datetimeFigureOut">
+            <a:fld id="{68456436-DE11-458C-A359-815608F0B392}" type="datetimeFigureOut">
               <a:rPr lang="zh-CN" altLang="en-US" smtClean="0"/>
               <a:t>2024/3/10</a:t>
             </a:fld>
@@ -2386,7 +2386,7 @@
           <p:cNvPr id="6" name="页脚占位符 5">
             <a:extLst>
               <a:ext uri="{FF2B5EF4-FFF2-40B4-BE49-F238E27FC236}">
-                <a16:creationId xmlns:a16="http://schemas.microsoft.com/office/drawing/2014/main" id="{4CF17643-3A99-4EB3-4964-07CD5FA8DE44}"/>
+                <a16:creationId xmlns:a16="http://schemas.microsoft.com/office/drawing/2014/main" id="{6AA796B2-8BA2-9EE7-4BD8-D997826C4D55}"/>
               </a:ext>
             </a:extLst>
           </p:cNvPr>
@@ -2411,7 +2411,7 @@
           <p:cNvPr id="7" name="灯片编号占位符 6">
             <a:extLst>
               <a:ext uri="{FF2B5EF4-FFF2-40B4-BE49-F238E27FC236}">
-                <a16:creationId xmlns:a16="http://schemas.microsoft.com/office/drawing/2014/main" id="{02E1ACEC-B688-CAD2-3AF2-083791A5D857}"/>
+                <a16:creationId xmlns:a16="http://schemas.microsoft.com/office/drawing/2014/main" id="{EDF7A1A0-852C-4F8B-9CBB-13C5DB69F4C0}"/>
               </a:ext>
             </a:extLst>
           </p:cNvPr>
@@ -2427,7 +2427,7 @@
           <a:bodyPr/>
           <a:lstStyle/>
           <a:p>
-            <a:fld id="{50E03B92-2433-4DC6-B2E9-9F874F8EEC80}" type="slidenum">
+            <a:fld id="{2C97E04E-E801-4C3D-B177-ED65FE545453}" type="slidenum">
               <a:rPr lang="zh-CN" altLang="en-US" smtClean="0"/>
               <a:t>‹#›</a:t>
             </a:fld>
@@ -2438,7 +2438,7 @@
     </p:spTree>
     <p:extLst>
       <p:ext uri="{BB962C8B-B14F-4D97-AF65-F5344CB8AC3E}">
-        <p14:creationId xmlns:p14="http://schemas.microsoft.com/office/powerpoint/2010/main" val="185045923"/>
+        <p14:creationId xmlns:p14="http://schemas.microsoft.com/office/powerpoint/2010/main" val="4111924424"/>
       </p:ext>
     </p:extLst>
   </p:cSld>
@@ -2470,7 +2470,7 @@
           <p:cNvPr id="2" name="标题 1">
             <a:extLst>
               <a:ext uri="{FF2B5EF4-FFF2-40B4-BE49-F238E27FC236}">
-                <a16:creationId xmlns:a16="http://schemas.microsoft.com/office/drawing/2014/main" id="{A5C34912-7112-1CFE-8E68-6E5D1B3614AB}"/>
+                <a16:creationId xmlns:a16="http://schemas.microsoft.com/office/drawing/2014/main" id="{1E89CB29-28E9-58DB-66A8-9626A0060E17}"/>
               </a:ext>
             </a:extLst>
           </p:cNvPr>
@@ -2507,7 +2507,7 @@
           <p:cNvPr id="3" name="图片占位符 2">
             <a:extLst>
               <a:ext uri="{FF2B5EF4-FFF2-40B4-BE49-F238E27FC236}">
-                <a16:creationId xmlns:a16="http://schemas.microsoft.com/office/drawing/2014/main" id="{E520B98D-07CC-DB4C-B502-C68F30D24830}"/>
+                <a16:creationId xmlns:a16="http://schemas.microsoft.com/office/drawing/2014/main" id="{4A341F58-7AA6-09B5-9195-DC382B72523B}"/>
               </a:ext>
             </a:extLst>
           </p:cNvPr>
@@ -2574,7 +2574,7 @@
           <p:cNvPr id="4" name="文本占位符 3">
             <a:extLst>
               <a:ext uri="{FF2B5EF4-FFF2-40B4-BE49-F238E27FC236}">
-                <a16:creationId xmlns:a16="http://schemas.microsoft.com/office/drawing/2014/main" id="{03B1C521-C381-7F14-4FDF-C98A0D77467A}"/>
+                <a16:creationId xmlns:a16="http://schemas.microsoft.com/office/drawing/2014/main" id="{E5348685-D14B-A052-0B56-E19A6D8E3F46}"/>
               </a:ext>
             </a:extLst>
           </p:cNvPr>
@@ -2645,7 +2645,7 @@
           <p:cNvPr id="5" name="日期占位符 4">
             <a:extLst>
               <a:ext uri="{FF2B5EF4-FFF2-40B4-BE49-F238E27FC236}">
-                <a16:creationId xmlns:a16="http://schemas.microsoft.com/office/drawing/2014/main" id="{3C76F5A3-121E-399C-1516-CDD8320EDE0B}"/>
+                <a16:creationId xmlns:a16="http://schemas.microsoft.com/office/drawing/2014/main" id="{956975B4-3958-C2F0-C347-44B59BA63C91}"/>
               </a:ext>
             </a:extLst>
           </p:cNvPr>
@@ -2661,7 +2661,7 @@
           <a:bodyPr/>
           <a:lstStyle/>
           <a:p>
-            <a:fld id="{F669FCA0-825B-42DC-8FC8-EBDC8F4889A8}" type="datetimeFigureOut">
+            <a:fld id="{68456436-DE11-458C-A359-815608F0B392}" type="datetimeFigureOut">
               <a:rPr lang="zh-CN" altLang="en-US" smtClean="0"/>
               <a:t>2024/3/10</a:t>
             </a:fld>
@@ -2674,7 +2674,7 @@
           <p:cNvPr id="6" name="页脚占位符 5">
             <a:extLst>
               <a:ext uri="{FF2B5EF4-FFF2-40B4-BE49-F238E27FC236}">
-                <a16:creationId xmlns:a16="http://schemas.microsoft.com/office/drawing/2014/main" id="{F93D249F-58F4-B571-042D-6979CD055ECD}"/>
+                <a16:creationId xmlns:a16="http://schemas.microsoft.com/office/drawing/2014/main" id="{40430676-3208-4F25-C970-2EC770D56D45}"/>
               </a:ext>
             </a:extLst>
           </p:cNvPr>
@@ -2699,7 +2699,7 @@
           <p:cNvPr id="7" name="灯片编号占位符 6">
             <a:extLst>
               <a:ext uri="{FF2B5EF4-FFF2-40B4-BE49-F238E27FC236}">
-                <a16:creationId xmlns:a16="http://schemas.microsoft.com/office/drawing/2014/main" id="{78EE8A98-CF8F-2590-898A-53C5B4C4282A}"/>
+                <a16:creationId xmlns:a16="http://schemas.microsoft.com/office/drawing/2014/main" id="{EC1F9052-CFC1-3503-533F-362AB1625682}"/>
               </a:ext>
             </a:extLst>
           </p:cNvPr>
@@ -2715,7 +2715,7 @@
           <a:bodyPr/>
           <a:lstStyle/>
           <a:p>
-            <a:fld id="{50E03B92-2433-4DC6-B2E9-9F874F8EEC80}" type="slidenum">
+            <a:fld id="{2C97E04E-E801-4C3D-B177-ED65FE545453}" type="slidenum">
               <a:rPr lang="zh-CN" altLang="en-US" smtClean="0"/>
               <a:t>‹#›</a:t>
             </a:fld>
@@ -2726,7 +2726,7 @@
     </p:spTree>
     <p:extLst>
       <p:ext uri="{BB962C8B-B14F-4D97-AF65-F5344CB8AC3E}">
-        <p14:creationId xmlns:p14="http://schemas.microsoft.com/office/powerpoint/2010/main" val="3731504339"/>
+        <p14:creationId xmlns:p14="http://schemas.microsoft.com/office/powerpoint/2010/main" val="2428943148"/>
       </p:ext>
     </p:extLst>
   </p:cSld>
@@ -2763,7 +2763,7 @@
           <p:cNvPr id="2" name="标题占位符 1">
             <a:extLst>
               <a:ext uri="{FF2B5EF4-FFF2-40B4-BE49-F238E27FC236}">
-                <a16:creationId xmlns:a16="http://schemas.microsoft.com/office/drawing/2014/main" id="{B4525B85-D6FA-F89F-97CD-793B1C5450B7}"/>
+                <a16:creationId xmlns:a16="http://schemas.microsoft.com/office/drawing/2014/main" id="{24D7FB19-AFD9-0C8A-5971-E35622C6BCE1}"/>
               </a:ext>
             </a:extLst>
           </p:cNvPr>
@@ -2801,7 +2801,7 @@
           <p:cNvPr id="3" name="文本占位符 2">
             <a:extLst>
               <a:ext uri="{FF2B5EF4-FFF2-40B4-BE49-F238E27FC236}">
-                <a16:creationId xmlns:a16="http://schemas.microsoft.com/office/drawing/2014/main" id="{BD7D98D1-8570-DF3F-E377-6F22B4BDEA82}"/>
+                <a16:creationId xmlns:a16="http://schemas.microsoft.com/office/drawing/2014/main" id="{EF136F5D-4266-07FB-30F9-745E0E112071}"/>
               </a:ext>
             </a:extLst>
           </p:cNvPr>
@@ -2868,7 +2868,7 @@
           <p:cNvPr id="4" name="日期占位符 3">
             <a:extLst>
               <a:ext uri="{FF2B5EF4-FFF2-40B4-BE49-F238E27FC236}">
-                <a16:creationId xmlns:a16="http://schemas.microsoft.com/office/drawing/2014/main" id="{0CEF973F-9B78-EAAF-499F-4D35A820A5B5}"/>
+                <a16:creationId xmlns:a16="http://schemas.microsoft.com/office/drawing/2014/main" id="{17EFC365-B274-E42D-A6D7-C06F0CF35F84}"/>
               </a:ext>
             </a:extLst>
           </p:cNvPr>
@@ -2902,7 +2902,7 @@
             </a:lvl1pPr>
           </a:lstStyle>
           <a:p>
-            <a:fld id="{F669FCA0-825B-42DC-8FC8-EBDC8F4889A8}" type="datetimeFigureOut">
+            <a:fld id="{68456436-DE11-458C-A359-815608F0B392}" type="datetimeFigureOut">
               <a:rPr lang="zh-CN" altLang="en-US" smtClean="0"/>
               <a:t>2024/3/10</a:t>
             </a:fld>
@@ -2915,7 +2915,7 @@
           <p:cNvPr id="5" name="页脚占位符 4">
             <a:extLst>
               <a:ext uri="{FF2B5EF4-FFF2-40B4-BE49-F238E27FC236}">
-                <a16:creationId xmlns:a16="http://schemas.microsoft.com/office/drawing/2014/main" id="{555BE7EF-6026-69F0-6AC6-337C1D12B352}"/>
+                <a16:creationId xmlns:a16="http://schemas.microsoft.com/office/drawing/2014/main" id="{7721E3BC-C57B-8EC7-4409-B5E941012BE7}"/>
               </a:ext>
             </a:extLst>
           </p:cNvPr>
@@ -2958,7 +2958,7 @@
           <p:cNvPr id="6" name="灯片编号占位符 5">
             <a:extLst>
               <a:ext uri="{FF2B5EF4-FFF2-40B4-BE49-F238E27FC236}">
-                <a16:creationId xmlns:a16="http://schemas.microsoft.com/office/drawing/2014/main" id="{A7BD9751-77F3-5384-AB9A-E642A7ECFB81}"/>
+                <a16:creationId xmlns:a16="http://schemas.microsoft.com/office/drawing/2014/main" id="{8C5F2E0F-D0BD-2E80-896C-60CA162F7BA8}"/>
               </a:ext>
             </a:extLst>
           </p:cNvPr>
@@ -2992,7 +2992,7 @@
             </a:lvl1pPr>
           </a:lstStyle>
           <a:p>
-            <a:fld id="{50E03B92-2433-4DC6-B2E9-9F874F8EEC80}" type="slidenum">
+            <a:fld id="{2C97E04E-E801-4C3D-B177-ED65FE545453}" type="slidenum">
               <a:rPr lang="zh-CN" altLang="en-US" smtClean="0"/>
               <a:t>‹#›</a:t>
             </a:fld>
@@ -3003,7 +3003,7 @@
     </p:spTree>
     <p:extLst>
       <p:ext uri="{BB962C8B-B14F-4D97-AF65-F5344CB8AC3E}">
-        <p14:creationId xmlns:p14="http://schemas.microsoft.com/office/powerpoint/2010/main" val="190121596"/>
+        <p14:creationId xmlns:p14="http://schemas.microsoft.com/office/powerpoint/2010/main" val="4150389625"/>
       </p:ext>
     </p:extLst>
   </p:cSld>
